--- a/Journal-DC-Motor/v5.0/Switching_pattern/Switching_Graphs.pptx
+++ b/Journal-DC-Motor/v5.0/Switching_pattern/Switching_Graphs.pptx
@@ -13,6 +13,7 @@
     <p:sldId id="261" r:id="rId7"/>
     <p:sldId id="262" r:id="rId8"/>
     <p:sldId id="263" r:id="rId9"/>
+    <p:sldId id="264" r:id="rId10"/>
   </p:sldIdLst>
   <p:sldSz cx="12192000" cy="6858000"/>
   <p:notesSz cx="6858000" cy="9144000"/>
@@ -266,7 +267,7 @@
           <a:p>
             <a:fld id="{3B3057B4-BDBA-4A41-8E47-96EF0EE7F9AA}" type="datetimeFigureOut">
               <a:rPr lang="en-US" smtClean="0"/>
-              <a:t>6/28/2021</a:t>
+              <a:t>2/24/2022</a:t>
             </a:fld>
             <a:endParaRPr lang="en-US"/>
           </a:p>
@@ -464,7 +465,7 @@
           <a:p>
             <a:fld id="{3B3057B4-BDBA-4A41-8E47-96EF0EE7F9AA}" type="datetimeFigureOut">
               <a:rPr lang="en-US" smtClean="0"/>
-              <a:t>6/28/2021</a:t>
+              <a:t>2/24/2022</a:t>
             </a:fld>
             <a:endParaRPr lang="en-US"/>
           </a:p>
@@ -672,7 +673,7 @@
           <a:p>
             <a:fld id="{3B3057B4-BDBA-4A41-8E47-96EF0EE7F9AA}" type="datetimeFigureOut">
               <a:rPr lang="en-US" smtClean="0"/>
-              <a:t>6/28/2021</a:t>
+              <a:t>2/24/2022</a:t>
             </a:fld>
             <a:endParaRPr lang="en-US"/>
           </a:p>
@@ -870,7 +871,7 @@
           <a:p>
             <a:fld id="{3B3057B4-BDBA-4A41-8E47-96EF0EE7F9AA}" type="datetimeFigureOut">
               <a:rPr lang="en-US" smtClean="0"/>
-              <a:t>6/28/2021</a:t>
+              <a:t>2/24/2022</a:t>
             </a:fld>
             <a:endParaRPr lang="en-US"/>
           </a:p>
@@ -1145,7 +1146,7 @@
           <a:p>
             <a:fld id="{3B3057B4-BDBA-4A41-8E47-96EF0EE7F9AA}" type="datetimeFigureOut">
               <a:rPr lang="en-US" smtClean="0"/>
-              <a:t>6/28/2021</a:t>
+              <a:t>2/24/2022</a:t>
             </a:fld>
             <a:endParaRPr lang="en-US"/>
           </a:p>
@@ -1410,7 +1411,7 @@
           <a:p>
             <a:fld id="{3B3057B4-BDBA-4A41-8E47-96EF0EE7F9AA}" type="datetimeFigureOut">
               <a:rPr lang="en-US" smtClean="0"/>
-              <a:t>6/28/2021</a:t>
+              <a:t>2/24/2022</a:t>
             </a:fld>
             <a:endParaRPr lang="en-US"/>
           </a:p>
@@ -1822,7 +1823,7 @@
           <a:p>
             <a:fld id="{3B3057B4-BDBA-4A41-8E47-96EF0EE7F9AA}" type="datetimeFigureOut">
               <a:rPr lang="en-US" smtClean="0"/>
-              <a:t>6/28/2021</a:t>
+              <a:t>2/24/2022</a:t>
             </a:fld>
             <a:endParaRPr lang="en-US"/>
           </a:p>
@@ -1963,7 +1964,7 @@
           <a:p>
             <a:fld id="{3B3057B4-BDBA-4A41-8E47-96EF0EE7F9AA}" type="datetimeFigureOut">
               <a:rPr lang="en-US" smtClean="0"/>
-              <a:t>6/28/2021</a:t>
+              <a:t>2/24/2022</a:t>
             </a:fld>
             <a:endParaRPr lang="en-US"/>
           </a:p>
@@ -2076,7 +2077,7 @@
           <a:p>
             <a:fld id="{3B3057B4-BDBA-4A41-8E47-96EF0EE7F9AA}" type="datetimeFigureOut">
               <a:rPr lang="en-US" smtClean="0"/>
-              <a:t>6/28/2021</a:t>
+              <a:t>2/24/2022</a:t>
             </a:fld>
             <a:endParaRPr lang="en-US"/>
           </a:p>
@@ -2387,7 +2388,7 @@
           <a:p>
             <a:fld id="{3B3057B4-BDBA-4A41-8E47-96EF0EE7F9AA}" type="datetimeFigureOut">
               <a:rPr lang="en-US" smtClean="0"/>
-              <a:t>6/28/2021</a:t>
+              <a:t>2/24/2022</a:t>
             </a:fld>
             <a:endParaRPr lang="en-US"/>
           </a:p>
@@ -2675,7 +2676,7 @@
           <a:p>
             <a:fld id="{3B3057B4-BDBA-4A41-8E47-96EF0EE7F9AA}" type="datetimeFigureOut">
               <a:rPr lang="en-US" smtClean="0"/>
-              <a:t>6/28/2021</a:t>
+              <a:t>2/24/2022</a:t>
             </a:fld>
             <a:endParaRPr lang="en-US"/>
           </a:p>
@@ -2916,7 +2917,7 @@
           <a:p>
             <a:fld id="{3B3057B4-BDBA-4A41-8E47-96EF0EE7F9AA}" type="datetimeFigureOut">
               <a:rPr lang="en-US" smtClean="0"/>
-              <a:t>6/28/2021</a:t>
+              <a:t>2/24/2022</a:t>
             </a:fld>
             <a:endParaRPr lang="en-US"/>
           </a:p>
@@ -13674,8 +13675,8 @@
           </a:fontRef>
         </p:style>
       </p:cxnSp>
-      <mc:AlternateContent xmlns:mc="http://schemas.openxmlformats.org/markup-compatibility/2006">
-        <mc:Choice xmlns:a14="http://schemas.microsoft.com/office/drawing/2010/main" Requires="a14">
+      <mc:AlternateContent xmlns:mc="http://schemas.openxmlformats.org/markup-compatibility/2006" xmlns:a14="http://schemas.microsoft.com/office/drawing/2010/main">
+        <mc:Choice Requires="a14">
           <p:sp>
             <p:nvSpPr>
               <p:cNvPr id="37" name="TextBox 36">
@@ -13757,7 +13758,7 @@
             </p:txBody>
           </p:sp>
         </mc:Choice>
-        <mc:Fallback>
+        <mc:Fallback xmlns="">
           <p:sp>
             <p:nvSpPr>
               <p:cNvPr id="37" name="TextBox 36">
@@ -13802,8 +13803,8 @@
           </p:sp>
         </mc:Fallback>
       </mc:AlternateContent>
-      <mc:AlternateContent xmlns:mc="http://schemas.openxmlformats.org/markup-compatibility/2006">
-        <mc:Choice xmlns:a14="http://schemas.microsoft.com/office/drawing/2010/main" Requires="a14">
+      <mc:AlternateContent xmlns:mc="http://schemas.openxmlformats.org/markup-compatibility/2006" xmlns:a14="http://schemas.microsoft.com/office/drawing/2010/main">
+        <mc:Choice Requires="a14">
           <p:sp>
             <p:nvSpPr>
               <p:cNvPr id="38" name="TextBox 37">
@@ -13878,7 +13879,7 @@
             </p:txBody>
           </p:sp>
         </mc:Choice>
-        <mc:Fallback>
+        <mc:Fallback xmlns="">
           <p:sp>
             <p:nvSpPr>
               <p:cNvPr id="38" name="TextBox 37">
@@ -14017,8 +14018,8 @@
           </a:fontRef>
         </p:style>
       </p:cxnSp>
-      <mc:AlternateContent xmlns:mc="http://schemas.openxmlformats.org/markup-compatibility/2006">
-        <mc:Choice xmlns:a14="http://schemas.microsoft.com/office/drawing/2010/main" Requires="a14">
+      <mc:AlternateContent xmlns:mc="http://schemas.openxmlformats.org/markup-compatibility/2006" xmlns:a14="http://schemas.microsoft.com/office/drawing/2010/main">
+        <mc:Choice Requires="a14">
           <p:sp>
             <p:nvSpPr>
               <p:cNvPr id="53" name="TextBox 52">
@@ -14100,7 +14101,7 @@
             </p:txBody>
           </p:sp>
         </mc:Choice>
-        <mc:Fallback>
+        <mc:Fallback xmlns="">
           <p:sp>
             <p:nvSpPr>
               <p:cNvPr id="53" name="TextBox 52">
@@ -14145,8 +14146,8 @@
           </p:sp>
         </mc:Fallback>
       </mc:AlternateContent>
-      <mc:AlternateContent xmlns:mc="http://schemas.openxmlformats.org/markup-compatibility/2006">
-        <mc:Choice xmlns:a14="http://schemas.microsoft.com/office/drawing/2010/main" Requires="a14">
+      <mc:AlternateContent xmlns:mc="http://schemas.openxmlformats.org/markup-compatibility/2006" xmlns:a14="http://schemas.microsoft.com/office/drawing/2010/main">
+        <mc:Choice Requires="a14">
           <p:sp>
             <p:nvSpPr>
               <p:cNvPr id="54" name="TextBox 53">
@@ -14221,7 +14222,7 @@
             </p:txBody>
           </p:sp>
         </mc:Choice>
-        <mc:Fallback>
+        <mc:Fallback xmlns="">
           <p:sp>
             <p:nvSpPr>
               <p:cNvPr id="54" name="TextBox 53">
@@ -14360,8 +14361,8 @@
           </a:fontRef>
         </p:style>
       </p:cxnSp>
-      <mc:AlternateContent xmlns:mc="http://schemas.openxmlformats.org/markup-compatibility/2006">
-        <mc:Choice xmlns:a14="http://schemas.microsoft.com/office/drawing/2010/main" Requires="a14">
+      <mc:AlternateContent xmlns:mc="http://schemas.openxmlformats.org/markup-compatibility/2006" xmlns:a14="http://schemas.microsoft.com/office/drawing/2010/main">
+        <mc:Choice Requires="a14">
           <p:sp>
             <p:nvSpPr>
               <p:cNvPr id="59" name="TextBox 58">
@@ -14415,7 +14416,7 @@
             </p:txBody>
           </p:sp>
         </mc:Choice>
-        <mc:Fallback>
+        <mc:Fallback xmlns="">
           <p:sp>
             <p:nvSpPr>
               <p:cNvPr id="59" name="TextBox 58">
@@ -14460,8 +14461,8 @@
           </p:sp>
         </mc:Fallback>
       </mc:AlternateContent>
-      <mc:AlternateContent xmlns:mc="http://schemas.openxmlformats.org/markup-compatibility/2006">
-        <mc:Choice xmlns:a14="http://schemas.microsoft.com/office/drawing/2010/main" Requires="a14">
+      <mc:AlternateContent xmlns:mc="http://schemas.openxmlformats.org/markup-compatibility/2006" xmlns:a14="http://schemas.microsoft.com/office/drawing/2010/main">
+        <mc:Choice Requires="a14">
           <p:sp>
             <p:nvSpPr>
               <p:cNvPr id="60" name="TextBox 59">
@@ -14515,7 +14516,7 @@
             </p:txBody>
           </p:sp>
         </mc:Choice>
-        <mc:Fallback>
+        <mc:Fallback xmlns="">
           <p:sp>
             <p:nvSpPr>
               <p:cNvPr id="60" name="TextBox 59">
@@ -14560,8 +14561,8 @@
           </p:sp>
         </mc:Fallback>
       </mc:AlternateContent>
-      <mc:AlternateContent xmlns:mc="http://schemas.openxmlformats.org/markup-compatibility/2006">
-        <mc:Choice xmlns:a14="http://schemas.microsoft.com/office/drawing/2010/main" Requires="a14">
+      <mc:AlternateContent xmlns:mc="http://schemas.openxmlformats.org/markup-compatibility/2006" xmlns:a14="http://schemas.microsoft.com/office/drawing/2010/main">
+        <mc:Choice Requires="a14">
           <p:sp>
             <p:nvSpPr>
               <p:cNvPr id="61" name="TextBox 60">
@@ -14615,7 +14616,7 @@
             </p:txBody>
           </p:sp>
         </mc:Choice>
-        <mc:Fallback>
+        <mc:Fallback xmlns="">
           <p:sp>
             <p:nvSpPr>
               <p:cNvPr id="61" name="TextBox 60">
@@ -14660,8 +14661,8 @@
           </p:sp>
         </mc:Fallback>
       </mc:AlternateContent>
-      <mc:AlternateContent xmlns:mc="http://schemas.openxmlformats.org/markup-compatibility/2006">
-        <mc:Choice xmlns:a14="http://schemas.microsoft.com/office/drawing/2010/main" Requires="a14">
+      <mc:AlternateContent xmlns:mc="http://schemas.openxmlformats.org/markup-compatibility/2006" xmlns:a14="http://schemas.microsoft.com/office/drawing/2010/main">
+        <mc:Choice Requires="a14">
           <p:sp>
             <p:nvSpPr>
               <p:cNvPr id="62" name="TextBox 61">
@@ -14736,7 +14737,7 @@
             </p:txBody>
           </p:sp>
         </mc:Choice>
-        <mc:Fallback>
+        <mc:Fallback xmlns="">
           <p:sp>
             <p:nvSpPr>
               <p:cNvPr id="62" name="TextBox 61">
@@ -14781,8 +14782,8 @@
           </p:sp>
         </mc:Fallback>
       </mc:AlternateContent>
-      <mc:AlternateContent xmlns:mc="http://schemas.openxmlformats.org/markup-compatibility/2006">
-        <mc:Choice xmlns:a14="http://schemas.microsoft.com/office/drawing/2010/main" Requires="a14">
+      <mc:AlternateContent xmlns:mc="http://schemas.openxmlformats.org/markup-compatibility/2006" xmlns:a14="http://schemas.microsoft.com/office/drawing/2010/main">
+        <mc:Choice Requires="a14">
           <p:sp>
             <p:nvSpPr>
               <p:cNvPr id="63" name="TextBox 62">
@@ -14857,7 +14858,7 @@
             </p:txBody>
           </p:sp>
         </mc:Choice>
-        <mc:Fallback>
+        <mc:Fallback xmlns="">
           <p:sp>
             <p:nvSpPr>
               <p:cNvPr id="63" name="TextBox 62">
@@ -14902,8 +14903,8 @@
           </p:sp>
         </mc:Fallback>
       </mc:AlternateContent>
-      <mc:AlternateContent xmlns:mc="http://schemas.openxmlformats.org/markup-compatibility/2006">
-        <mc:Choice xmlns:a14="http://schemas.microsoft.com/office/drawing/2010/main" Requires="a14">
+      <mc:AlternateContent xmlns:mc="http://schemas.openxmlformats.org/markup-compatibility/2006" xmlns:a14="http://schemas.microsoft.com/office/drawing/2010/main">
+        <mc:Choice Requires="a14">
           <p:sp>
             <p:nvSpPr>
               <p:cNvPr id="64" name="TextBox 63">
@@ -14978,7 +14979,7 @@
             </p:txBody>
           </p:sp>
         </mc:Choice>
-        <mc:Fallback>
+        <mc:Fallback xmlns="">
           <p:sp>
             <p:nvSpPr>
               <p:cNvPr id="64" name="TextBox 63">
@@ -15023,8 +15024,8 @@
           </p:sp>
         </mc:Fallback>
       </mc:AlternateContent>
-      <mc:AlternateContent xmlns:mc="http://schemas.openxmlformats.org/markup-compatibility/2006">
-        <mc:Choice xmlns:a14="http://schemas.microsoft.com/office/drawing/2010/main" Requires="a14">
+      <mc:AlternateContent xmlns:mc="http://schemas.openxmlformats.org/markup-compatibility/2006" xmlns:a14="http://schemas.microsoft.com/office/drawing/2010/main">
+        <mc:Choice Requires="a14">
           <p:sp>
             <p:nvSpPr>
               <p:cNvPr id="65" name="TextBox 64">
@@ -15099,7 +15100,7 @@
             </p:txBody>
           </p:sp>
         </mc:Choice>
-        <mc:Fallback>
+        <mc:Fallback xmlns="">
           <p:sp>
             <p:nvSpPr>
               <p:cNvPr id="65" name="TextBox 64">
@@ -15144,8 +15145,8 @@
           </p:sp>
         </mc:Fallback>
       </mc:AlternateContent>
-      <mc:AlternateContent xmlns:mc="http://schemas.openxmlformats.org/markup-compatibility/2006">
-        <mc:Choice xmlns:a14="http://schemas.microsoft.com/office/drawing/2010/main" Requires="a14">
+      <mc:AlternateContent xmlns:mc="http://schemas.openxmlformats.org/markup-compatibility/2006" xmlns:a14="http://schemas.microsoft.com/office/drawing/2010/main">
+        <mc:Choice Requires="a14">
           <p:sp>
             <p:nvSpPr>
               <p:cNvPr id="66" name="TextBox 65">
@@ -15220,7 +15221,7 @@
             </p:txBody>
           </p:sp>
         </mc:Choice>
-        <mc:Fallback>
+        <mc:Fallback xmlns="">
           <p:sp>
             <p:nvSpPr>
               <p:cNvPr id="66" name="TextBox 65">
@@ -15265,8 +15266,8 @@
           </p:sp>
         </mc:Fallback>
       </mc:AlternateContent>
-      <mc:AlternateContent xmlns:mc="http://schemas.openxmlformats.org/markup-compatibility/2006">
-        <mc:Choice xmlns:a14="http://schemas.microsoft.com/office/drawing/2010/main" Requires="a14">
+      <mc:AlternateContent xmlns:mc="http://schemas.openxmlformats.org/markup-compatibility/2006" xmlns:a14="http://schemas.microsoft.com/office/drawing/2010/main">
+        <mc:Choice Requires="a14">
           <p:sp>
             <p:nvSpPr>
               <p:cNvPr id="67" name="TextBox 66">
@@ -15341,7 +15342,7 @@
             </p:txBody>
           </p:sp>
         </mc:Choice>
-        <mc:Fallback>
+        <mc:Fallback xmlns="">
           <p:sp>
             <p:nvSpPr>
               <p:cNvPr id="67" name="TextBox 66">
@@ -15562,6 +15563,36 @@
     <p:extLst>
       <p:ext uri="{BB962C8B-B14F-4D97-AF65-F5344CB8AC3E}">
         <p14:creationId xmlns:p14="http://schemas.microsoft.com/office/powerpoint/2010/main" val="4179095329"/>
+      </p:ext>
+    </p:extLst>
+  </p:cSld>
+  <p:clrMapOvr>
+    <a:masterClrMapping/>
+  </p:clrMapOvr>
+</p:sld>
+</file>
+
+<file path=ppt/slides/slide9.xml><?xml version="1.0" encoding="utf-8"?>
+<p:sld xmlns:a="http://schemas.openxmlformats.org/drawingml/2006/main" xmlns:r="http://schemas.openxmlformats.org/officeDocument/2006/relationships" xmlns:p="http://schemas.openxmlformats.org/presentationml/2006/main">
+  <p:cSld>
+    <p:spTree>
+      <p:nvGrpSpPr>
+        <p:cNvPr id="1" name=""/>
+        <p:cNvGrpSpPr/>
+        <p:nvPr/>
+      </p:nvGrpSpPr>
+      <p:grpSpPr>
+        <a:xfrm>
+          <a:off x="0" y="0"/>
+          <a:ext cx="0" cy="0"/>
+          <a:chOff x="0" y="0"/>
+          <a:chExt cx="0" cy="0"/>
+        </a:xfrm>
+      </p:grpSpPr>
+    </p:spTree>
+    <p:extLst>
+      <p:ext uri="{BB962C8B-B14F-4D97-AF65-F5344CB8AC3E}">
+        <p14:creationId xmlns:p14="http://schemas.microsoft.com/office/powerpoint/2010/main" val="4148411886"/>
       </p:ext>
     </p:extLst>
   </p:cSld>
